--- a/images/students/Performance.pptx
+++ b/images/students/Performance.pptx
@@ -112,10 +112,47 @@
 </p:presentation>
 </file>
 
+<file path=ppt/revisionInfo.xml><?xml version="1.0" encoding="utf-8"?>
+<p1510:revInfo xmlns:a="http://schemas.openxmlformats.org/drawingml/2006/main" xmlns:r="http://schemas.openxmlformats.org/officeDocument/2006/relationships" xmlns:p1510="http://schemas.microsoft.com/office/powerpoint/2015/10/main">
+  <p1510:revLst>
+    <p1510:client id="{2145C244-D8A1-4942-83B1-465D23B16272}" v="81" dt="2023-07-26T16:26:53.776"/>
+  </p1510:revLst>
+</p1510:revInfo>
+</file>
+
+<file path=ppt/changesInfos/changesInfo1.xml><?xml version="1.0" encoding="utf-8"?>
+<pc:chgInfo xmlns:a="http://schemas.openxmlformats.org/drawingml/2006/main" xmlns:r="http://schemas.openxmlformats.org/officeDocument/2006/relationships" xmlns:ac="http://schemas.microsoft.com/office/drawing/2013/main/command" xmlns:pc="http://schemas.microsoft.com/office/powerpoint/2013/main/command">
+  <pc:docChgLst>
+    <pc:chgData name="Felipe Fronchetti" userId="9ec2aeda8e659f0c" providerId="LiveId" clId="{2145C244-D8A1-4942-83B1-465D23B16272}"/>
+    <pc:docChg chg="undo custSel modSld">
+      <pc:chgData name="Felipe Fronchetti" userId="9ec2aeda8e659f0c" providerId="LiveId" clId="{2145C244-D8A1-4942-83B1-465D23B16272}" dt="2023-07-26T16:26:53.776" v="67" actId="255"/>
+      <pc:docMkLst>
+        <pc:docMk/>
+      </pc:docMkLst>
+      <pc:sldChg chg="modSp mod">
+        <pc:chgData name="Felipe Fronchetti" userId="9ec2aeda8e659f0c" providerId="LiveId" clId="{2145C244-D8A1-4942-83B1-465D23B16272}" dt="2023-07-26T16:26:53.776" v="67" actId="255"/>
+        <pc:sldMkLst>
+          <pc:docMk/>
+          <pc:sldMk cId="2246249270" sldId="256"/>
+        </pc:sldMkLst>
+        <pc:graphicFrameChg chg="mod">
+          <ac:chgData name="Felipe Fronchetti" userId="9ec2aeda8e659f0c" providerId="LiveId" clId="{2145C244-D8A1-4942-83B1-465D23B16272}" dt="2023-07-26T16:26:53.776" v="67" actId="255"/>
+          <ac:graphicFrameMkLst>
+            <pc:docMk/>
+            <pc:sldMk cId="2246249270" sldId="256"/>
+            <ac:graphicFrameMk id="4" creationId="{0B407708-700E-4821-8FEF-1F199DC2B97C}"/>
+          </ac:graphicFrameMkLst>
+        </pc:graphicFrameChg>
+      </pc:sldChg>
+    </pc:docChg>
+  </pc:docChgLst>
+</pc:chgInfo>
+</file>
+
 <file path=ppt/charts/chart1.xml><?xml version="1.0" encoding="utf-8"?>
 <c:chartSpace xmlns:c="http://schemas.openxmlformats.org/drawingml/2006/chart" xmlns:a="http://schemas.openxmlformats.org/drawingml/2006/main" xmlns:r="http://schemas.openxmlformats.org/officeDocument/2006/relationships" xmlns:c16r2="http://schemas.microsoft.com/office/drawing/2015/06/chart">
   <c:date1904 val="0"/>
-  <c:lang val="en-US"/>
+  <c:lang val="pt-BR"/>
   <c:roundedCorners val="0"/>
   <mc:AlternateContent xmlns:mc="http://schemas.openxmlformats.org/markup-compatibility/2006">
     <mc:Choice xmlns:c14="http://schemas.microsoft.com/office/drawing/2007/8/2/chart" Requires="c14">
@@ -128,7 +165,17 @@
   <c:chart>
     <c:autoTitleDeleted val="1"/>
     <c:plotArea>
-      <c:layout/>
+      <c:layout>
+        <c:manualLayout>
+          <c:layoutTarget val="inner"/>
+          <c:xMode val="edge"/>
+          <c:yMode val="edge"/>
+          <c:x val="9.8644921988918055E-2"/>
+          <c:y val="0.12959300760481862"/>
+          <c:w val="0.82717200714494021"/>
+          <c:h val="0.73871206003095768"/>
+        </c:manualLayout>
+      </c:layout>
       <c:barChart>
         <c:barDir val="col"/>
         <c:grouping val="stacked"/>
@@ -149,9 +196,9 @@
           </c:tx>
           <c:spPr>
             <a:solidFill>
-              <a:srgbClr val="0099FF"/>
+              <a:srgbClr val="8FBA7C"/>
             </a:solidFill>
-            <a:ln>
+            <a:ln w="19050">
               <a:noFill/>
             </a:ln>
             <a:effectLst/>
@@ -226,9 +273,9 @@
           </c:tx>
           <c:spPr>
             <a:solidFill>
-              <a:srgbClr val="FF3300"/>
+              <a:srgbClr val="62B2E8"/>
             </a:solidFill>
-            <a:ln>
+            <a:ln w="19050">
               <a:noFill/>
             </a:ln>
             <a:effectLst/>
@@ -431,15 +478,15 @@
           <a:effectLst/>
         </c:spPr>
         <c:txPr>
-          <a:bodyPr rot="-60000000" spcFirstLastPara="1" vertOverflow="ellipsis" vert="horz" wrap="square" anchor="ctr" anchorCtr="1"/>
+          <a:bodyPr rot="0" spcFirstLastPara="1" vertOverflow="ellipsis" vert="horz" wrap="square" anchor="t" anchorCtr="0"/>
           <a:lstStyle/>
           <a:p>
             <a:pPr>
-              <a:defRPr sz="2400" b="0" i="0" u="none" strike="noStrike" kern="1200" baseline="0">
+              <a:defRPr sz="2200" b="0" i="0" u="none" strike="noStrike" kern="1200" baseline="0">
                 <a:solidFill>
                   <a:schemeClr val="tx1"/>
                 </a:solidFill>
-                <a:latin typeface="Rockwell" panose="02060603020205020403" pitchFamily="18" charset="0"/>
+                <a:latin typeface="+mj-lt"/>
                 <a:ea typeface="+mn-ea"/>
                 <a:cs typeface="+mn-cs"/>
               </a:defRPr>
@@ -449,7 +496,7 @@
         </c:txPr>
         <c:crossAx val="778980096"/>
         <c:crosses val="autoZero"/>
-        <c:auto val="1"/>
+        <c:auto val="0"/>
         <c:lblAlgn val="ctr"/>
         <c:lblOffset val="100"/>
         <c:noMultiLvlLbl val="0"/>
@@ -496,7 +543,7 @@
                 <a:solidFill>
                   <a:schemeClr val="tx1"/>
                 </a:solidFill>
-                <a:latin typeface="Rockwell" panose="02060603020205020403" pitchFamily="18" charset="0"/>
+                <a:latin typeface="+mj-lt"/>
                 <a:ea typeface="+mn-ea"/>
                 <a:cs typeface="+mn-cs"/>
               </a:defRPr>
@@ -517,7 +564,7 @@
         </c:scaling>
         <c:delete val="0"/>
         <c:axPos val="r"/>
-        <c:numFmt formatCode="0" sourceLinked="1"/>
+        <c:numFmt formatCode="General" sourceLinked="1"/>
         <c:majorTickMark val="out"/>
         <c:minorTickMark val="none"/>
         <c:tickLblPos val="nextTo"/>
@@ -529,7 +576,7 @@
           <a:effectLst/>
         </c:spPr>
         <c:txPr>
-          <a:bodyPr rot="-60000000" spcFirstLastPara="1" vertOverflow="ellipsis" vert="horz" wrap="square" anchor="ctr" anchorCtr="1"/>
+          <a:bodyPr rot="0" spcFirstLastPara="1" vertOverflow="ellipsis" vert="horz" wrap="square" anchor="ctr" anchorCtr="0"/>
           <a:lstStyle/>
           <a:p>
             <a:pPr>
@@ -537,7 +584,7 @@
                 <a:solidFill>
                   <a:schemeClr val="tx1"/>
                 </a:solidFill>
-                <a:latin typeface="Rockwell" panose="02060603020205020403" pitchFamily="18" charset="0"/>
+                <a:latin typeface="+mj-lt"/>
                 <a:ea typeface="+mn-ea"/>
                 <a:cs typeface="+mn-cs"/>
               </a:defRPr>
@@ -599,7 +646,7 @@
               <a:solidFill>
                 <a:schemeClr val="tx1"/>
               </a:solidFill>
-              <a:latin typeface="Rockwell" panose="02060603020205020403" pitchFamily="18" charset="0"/>
+              <a:latin typeface="+mj-lt"/>
               <a:ea typeface="+mn-ea"/>
               <a:cs typeface="+mn-cs"/>
             </a:defRPr>
@@ -1321,7 +1368,7 @@
           <a:p>
             <a:fld id="{9B556190-6725-42BC-91B8-2ED81A29EEE5}" type="datetimeFigureOut">
               <a:rPr lang="en-US" smtClean="0"/>
-              <a:t>4/14/2023</a:t>
+              <a:t>7/26/2023</a:t>
             </a:fld>
             <a:endParaRPr lang="en-US"/>
           </a:p>
@@ -1363,7 +1410,7 @@
           <a:p>
             <a:fld id="{A0E86B85-CEA1-43E2-9FCE-1BED9D613F97}" type="slidenum">
               <a:rPr lang="en-US" smtClean="0"/>
-              <a:t>‹#›</a:t>
+              <a:t>‹nº›</a:t>
             </a:fld>
             <a:endParaRPr lang="en-US"/>
           </a:p>
@@ -1491,7 +1538,7 @@
           <a:p>
             <a:fld id="{9B556190-6725-42BC-91B8-2ED81A29EEE5}" type="datetimeFigureOut">
               <a:rPr lang="en-US" smtClean="0"/>
-              <a:t>4/14/2023</a:t>
+              <a:t>7/26/2023</a:t>
             </a:fld>
             <a:endParaRPr lang="en-US"/>
           </a:p>
@@ -1533,7 +1580,7 @@
           <a:p>
             <a:fld id="{A0E86B85-CEA1-43E2-9FCE-1BED9D613F97}" type="slidenum">
               <a:rPr lang="en-US" smtClean="0"/>
-              <a:t>‹#›</a:t>
+              <a:t>‹nº›</a:t>
             </a:fld>
             <a:endParaRPr lang="en-US"/>
           </a:p>
@@ -1671,7 +1718,7 @@
           <a:p>
             <a:fld id="{9B556190-6725-42BC-91B8-2ED81A29EEE5}" type="datetimeFigureOut">
               <a:rPr lang="en-US" smtClean="0"/>
-              <a:t>4/14/2023</a:t>
+              <a:t>7/26/2023</a:t>
             </a:fld>
             <a:endParaRPr lang="en-US"/>
           </a:p>
@@ -1713,7 +1760,7 @@
           <a:p>
             <a:fld id="{A0E86B85-CEA1-43E2-9FCE-1BED9D613F97}" type="slidenum">
               <a:rPr lang="en-US" smtClean="0"/>
-              <a:t>‹#›</a:t>
+              <a:t>‹nº›</a:t>
             </a:fld>
             <a:endParaRPr lang="en-US"/>
           </a:p>
@@ -1841,7 +1888,7 @@
           <a:p>
             <a:fld id="{9B556190-6725-42BC-91B8-2ED81A29EEE5}" type="datetimeFigureOut">
               <a:rPr lang="en-US" smtClean="0"/>
-              <a:t>4/14/2023</a:t>
+              <a:t>7/26/2023</a:t>
             </a:fld>
             <a:endParaRPr lang="en-US"/>
           </a:p>
@@ -1883,7 +1930,7 @@
           <a:p>
             <a:fld id="{A0E86B85-CEA1-43E2-9FCE-1BED9D613F97}" type="slidenum">
               <a:rPr lang="en-US" smtClean="0"/>
-              <a:t>‹#›</a:t>
+              <a:t>‹nº›</a:t>
             </a:fld>
             <a:endParaRPr lang="en-US"/>
           </a:p>
@@ -2087,7 +2134,7 @@
           <a:p>
             <a:fld id="{9B556190-6725-42BC-91B8-2ED81A29EEE5}" type="datetimeFigureOut">
               <a:rPr lang="en-US" smtClean="0"/>
-              <a:t>4/14/2023</a:t>
+              <a:t>7/26/2023</a:t>
             </a:fld>
             <a:endParaRPr lang="en-US"/>
           </a:p>
@@ -2129,7 +2176,7 @@
           <a:p>
             <a:fld id="{A0E86B85-CEA1-43E2-9FCE-1BED9D613F97}" type="slidenum">
               <a:rPr lang="en-US" smtClean="0"/>
-              <a:t>‹#›</a:t>
+              <a:t>‹nº›</a:t>
             </a:fld>
             <a:endParaRPr lang="en-US"/>
           </a:p>
@@ -2319,7 +2366,7 @@
           <a:p>
             <a:fld id="{9B556190-6725-42BC-91B8-2ED81A29EEE5}" type="datetimeFigureOut">
               <a:rPr lang="en-US" smtClean="0"/>
-              <a:t>4/14/2023</a:t>
+              <a:t>7/26/2023</a:t>
             </a:fld>
             <a:endParaRPr lang="en-US"/>
           </a:p>
@@ -2361,7 +2408,7 @@
           <a:p>
             <a:fld id="{A0E86B85-CEA1-43E2-9FCE-1BED9D613F97}" type="slidenum">
               <a:rPr lang="en-US" smtClean="0"/>
-              <a:t>‹#›</a:t>
+              <a:t>‹nº›</a:t>
             </a:fld>
             <a:endParaRPr lang="en-US"/>
           </a:p>
@@ -2686,7 +2733,7 @@
           <a:p>
             <a:fld id="{9B556190-6725-42BC-91B8-2ED81A29EEE5}" type="datetimeFigureOut">
               <a:rPr lang="en-US" smtClean="0"/>
-              <a:t>4/14/2023</a:t>
+              <a:t>7/26/2023</a:t>
             </a:fld>
             <a:endParaRPr lang="en-US"/>
           </a:p>
@@ -2728,7 +2775,7 @@
           <a:p>
             <a:fld id="{A0E86B85-CEA1-43E2-9FCE-1BED9D613F97}" type="slidenum">
               <a:rPr lang="en-US" smtClean="0"/>
-              <a:t>‹#›</a:t>
+              <a:t>‹nº›</a:t>
             </a:fld>
             <a:endParaRPr lang="en-US"/>
           </a:p>
@@ -2804,7 +2851,7 @@
           <a:p>
             <a:fld id="{9B556190-6725-42BC-91B8-2ED81A29EEE5}" type="datetimeFigureOut">
               <a:rPr lang="en-US" smtClean="0"/>
-              <a:t>4/14/2023</a:t>
+              <a:t>7/26/2023</a:t>
             </a:fld>
             <a:endParaRPr lang="en-US"/>
           </a:p>
@@ -2846,7 +2893,7 @@
           <a:p>
             <a:fld id="{A0E86B85-CEA1-43E2-9FCE-1BED9D613F97}" type="slidenum">
               <a:rPr lang="en-US" smtClean="0"/>
-              <a:t>‹#›</a:t>
+              <a:t>‹nº›</a:t>
             </a:fld>
             <a:endParaRPr lang="en-US"/>
           </a:p>
@@ -2899,7 +2946,7 @@
           <a:p>
             <a:fld id="{9B556190-6725-42BC-91B8-2ED81A29EEE5}" type="datetimeFigureOut">
               <a:rPr lang="en-US" smtClean="0"/>
-              <a:t>4/14/2023</a:t>
+              <a:t>7/26/2023</a:t>
             </a:fld>
             <a:endParaRPr lang="en-US"/>
           </a:p>
@@ -2941,7 +2988,7 @@
           <a:p>
             <a:fld id="{A0E86B85-CEA1-43E2-9FCE-1BED9D613F97}" type="slidenum">
               <a:rPr lang="en-US" smtClean="0"/>
-              <a:t>‹#›</a:t>
+              <a:t>‹nº›</a:t>
             </a:fld>
             <a:endParaRPr lang="en-US"/>
           </a:p>
@@ -3176,7 +3223,7 @@
           <a:p>
             <a:fld id="{9B556190-6725-42BC-91B8-2ED81A29EEE5}" type="datetimeFigureOut">
               <a:rPr lang="en-US" smtClean="0"/>
-              <a:t>4/14/2023</a:t>
+              <a:t>7/26/2023</a:t>
             </a:fld>
             <a:endParaRPr lang="en-US"/>
           </a:p>
@@ -3218,7 +3265,7 @@
           <a:p>
             <a:fld id="{A0E86B85-CEA1-43E2-9FCE-1BED9D613F97}" type="slidenum">
               <a:rPr lang="en-US" smtClean="0"/>
-              <a:t>‹#›</a:t>
+              <a:t>‹nº›</a:t>
             </a:fld>
             <a:endParaRPr lang="en-US"/>
           </a:p>
@@ -3433,7 +3480,7 @@
           <a:p>
             <a:fld id="{9B556190-6725-42BC-91B8-2ED81A29EEE5}" type="datetimeFigureOut">
               <a:rPr lang="en-US" smtClean="0"/>
-              <a:t>4/14/2023</a:t>
+              <a:t>7/26/2023</a:t>
             </a:fld>
             <a:endParaRPr lang="en-US"/>
           </a:p>
@@ -3475,7 +3522,7 @@
           <a:p>
             <a:fld id="{A0E86B85-CEA1-43E2-9FCE-1BED9D613F97}" type="slidenum">
               <a:rPr lang="en-US" smtClean="0"/>
-              <a:t>‹#›</a:t>
+              <a:t>‹nº›</a:t>
             </a:fld>
             <a:endParaRPr lang="en-US"/>
           </a:p>
@@ -3646,7 +3693,7 @@
           <a:p>
             <a:fld id="{9B556190-6725-42BC-91B8-2ED81A29EEE5}" type="datetimeFigureOut">
               <a:rPr lang="en-US" smtClean="0"/>
-              <a:t>4/14/2023</a:t>
+              <a:t>7/26/2023</a:t>
             </a:fld>
             <a:endParaRPr lang="en-US"/>
           </a:p>
@@ -3724,7 +3771,7 @@
           <a:p>
             <a:fld id="{A0E86B85-CEA1-43E2-9FCE-1BED9D613F97}" type="slidenum">
               <a:rPr lang="en-US" smtClean="0"/>
-              <a:t>‹#›</a:t>
+              <a:t>‹nº›</a:t>
             </a:fld>
             <a:endParaRPr lang="en-US"/>
           </a:p>
@@ -4066,7 +4113,7 @@
           <p:nvPr>
             <p:extLst>
               <p:ext uri="{D42A27DB-BD31-4B8C-83A1-F6EECF244321}">
-                <p14:modId xmlns:p14="http://schemas.microsoft.com/office/powerpoint/2010/main" val="1708081247"/>
+                <p14:modId xmlns:p14="http://schemas.microsoft.com/office/powerpoint/2010/main" val="3305294516"/>
               </p:ext>
             </p:extLst>
           </p:nvPr>
